--- a/DES script.pptx
+++ b/DES script.pptx
@@ -205,7 +205,7 @@
           <a:p>
             <a:fld id="{D654FB56-3C58-489E-A4FF-E97C62F87C88}" type="datetimeFigureOut">
               <a:rPr lang="zh-CN" altLang="en-US" smtClean="0"/>
-              <a:t>2025/4/14</a:t>
+              <a:t>2025/4/15</a:t>
             </a:fld>
             <a:endParaRPr lang="zh-CN" altLang="en-US"/>
           </a:p>
@@ -975,7 +975,7 @@
           <a:p>
             <a:r>
               <a:rPr lang="zh-CN" altLang="en-US" dirty="0"/>
-              <a:t>我们会将数据库通过查</a:t>
+              <a:t>我们会将数据块通过查</a:t>
             </a:r>
             <a:r>
               <a:rPr lang="en-US" altLang="zh-CN" dirty="0"/>
@@ -1464,7 +1464,7 @@
             </a:r>
             <a:r>
               <a:rPr lang="zh-CN" altLang="en-US" dirty="0"/>
-              <a:t>位的数据库，也就是上一轮结果</a:t>
+              <a:t>位的数据块，也就是上一轮结果</a:t>
             </a:r>
             <a:r>
               <a:rPr lang="en-US" altLang="zh-CN" dirty="0"/>
@@ -2640,7 +2640,7 @@
           <a:p>
             <a:fld id="{1292E711-1470-4DAA-AB63-F66554AC1A32}" type="datetimeFigureOut">
               <a:rPr lang="zh-CN" altLang="en-US" smtClean="0"/>
-              <a:t>2025/4/14</a:t>
+              <a:t>2025/4/15</a:t>
             </a:fld>
             <a:endParaRPr lang="zh-CN" altLang="en-US"/>
           </a:p>
@@ -2810,7 +2810,7 @@
           <a:p>
             <a:fld id="{1292E711-1470-4DAA-AB63-F66554AC1A32}" type="datetimeFigureOut">
               <a:rPr lang="zh-CN" altLang="en-US" smtClean="0"/>
-              <a:t>2025/4/14</a:t>
+              <a:t>2025/4/15</a:t>
             </a:fld>
             <a:endParaRPr lang="zh-CN" altLang="en-US"/>
           </a:p>
@@ -2990,7 +2990,7 @@
           <a:p>
             <a:fld id="{1292E711-1470-4DAA-AB63-F66554AC1A32}" type="datetimeFigureOut">
               <a:rPr lang="zh-CN" altLang="en-US" smtClean="0"/>
-              <a:t>2025/4/14</a:t>
+              <a:t>2025/4/15</a:t>
             </a:fld>
             <a:endParaRPr lang="zh-CN" altLang="en-US"/>
           </a:p>
@@ -3160,7 +3160,7 @@
           <a:p>
             <a:fld id="{1292E711-1470-4DAA-AB63-F66554AC1A32}" type="datetimeFigureOut">
               <a:rPr lang="zh-CN" altLang="en-US" smtClean="0"/>
-              <a:t>2025/4/14</a:t>
+              <a:t>2025/4/15</a:t>
             </a:fld>
             <a:endParaRPr lang="zh-CN" altLang="en-US"/>
           </a:p>
@@ -3406,7 +3406,7 @@
           <a:p>
             <a:fld id="{1292E711-1470-4DAA-AB63-F66554AC1A32}" type="datetimeFigureOut">
               <a:rPr lang="zh-CN" altLang="en-US" smtClean="0"/>
-              <a:t>2025/4/14</a:t>
+              <a:t>2025/4/15</a:t>
             </a:fld>
             <a:endParaRPr lang="zh-CN" altLang="en-US"/>
           </a:p>
@@ -3638,7 +3638,7 @@
           <a:p>
             <a:fld id="{1292E711-1470-4DAA-AB63-F66554AC1A32}" type="datetimeFigureOut">
               <a:rPr lang="zh-CN" altLang="en-US" smtClean="0"/>
-              <a:t>2025/4/14</a:t>
+              <a:t>2025/4/15</a:t>
             </a:fld>
             <a:endParaRPr lang="zh-CN" altLang="en-US"/>
           </a:p>
@@ -4005,7 +4005,7 @@
           <a:p>
             <a:fld id="{1292E711-1470-4DAA-AB63-F66554AC1A32}" type="datetimeFigureOut">
               <a:rPr lang="zh-CN" altLang="en-US" smtClean="0"/>
-              <a:t>2025/4/14</a:t>
+              <a:t>2025/4/15</a:t>
             </a:fld>
             <a:endParaRPr lang="zh-CN" altLang="en-US"/>
           </a:p>
@@ -4123,7 +4123,7 @@
           <a:p>
             <a:fld id="{1292E711-1470-4DAA-AB63-F66554AC1A32}" type="datetimeFigureOut">
               <a:rPr lang="zh-CN" altLang="en-US" smtClean="0"/>
-              <a:t>2025/4/14</a:t>
+              <a:t>2025/4/15</a:t>
             </a:fld>
             <a:endParaRPr lang="zh-CN" altLang="en-US"/>
           </a:p>
@@ -4218,7 +4218,7 @@
           <a:p>
             <a:fld id="{1292E711-1470-4DAA-AB63-F66554AC1A32}" type="datetimeFigureOut">
               <a:rPr lang="zh-CN" altLang="en-US" smtClean="0"/>
-              <a:t>2025/4/14</a:t>
+              <a:t>2025/4/15</a:t>
             </a:fld>
             <a:endParaRPr lang="zh-CN" altLang="en-US"/>
           </a:p>
@@ -4495,7 +4495,7 @@
           <a:p>
             <a:fld id="{1292E711-1470-4DAA-AB63-F66554AC1A32}" type="datetimeFigureOut">
               <a:rPr lang="zh-CN" altLang="en-US" smtClean="0"/>
-              <a:t>2025/4/14</a:t>
+              <a:t>2025/4/15</a:t>
             </a:fld>
             <a:endParaRPr lang="zh-CN" altLang="en-US"/>
           </a:p>
@@ -4752,7 +4752,7 @@
           <a:p>
             <a:fld id="{1292E711-1470-4DAA-AB63-F66554AC1A32}" type="datetimeFigureOut">
               <a:rPr lang="zh-CN" altLang="en-US" smtClean="0"/>
-              <a:t>2025/4/14</a:t>
+              <a:t>2025/4/15</a:t>
             </a:fld>
             <a:endParaRPr lang="zh-CN" altLang="en-US"/>
           </a:p>
@@ -4965,7 +4965,7 @@
           <a:p>
             <a:fld id="{1292E711-1470-4DAA-AB63-F66554AC1A32}" type="datetimeFigureOut">
               <a:rPr lang="zh-CN" altLang="en-US" smtClean="0"/>
-              <a:t>2025/4/14</a:t>
+              <a:t>2025/4/15</a:t>
             </a:fld>
             <a:endParaRPr lang="zh-CN" altLang="en-US"/>
           </a:p>
